--- a/Presentationsmaterial/Dokument/1.1 Introduktion av ASP.NET MVC 4.pptx
+++ b/Presentationsmaterial/Dokument/1.1 Introduktion av ASP.NET MVC 4.pptx
@@ -4146,7 +4146,7 @@
             <a:fld id="{0B3BAAB0-D539-4A20-AE97-450346457396}" type="datetimeFigureOut">
               <a:rPr lang="sv-SE" smtClean="0"/>
               <a:pPr/>
-              <a:t>2013-11-08</a:t>
+              <a:t>2013-11-16</a:t>
             </a:fld>
             <a:endParaRPr lang="sv-SE"/>
           </a:p>
@@ -9089,25 +9089,7 @@
               <a:srgbClr val="969696"/>
             </a:contourClr>
           </a:sp3d>
-          <a:extLst>
-            <a:ext uri="{909E8E84-426E-40DD-AFC4-6F175D3DCCD1}">
-              <a14:hiddenFill xmlns:a14="http://schemas.microsoft.com/office/drawing/2010/main">
-                <a:solidFill>
-                  <a:schemeClr val="accent1"/>
-                </a:solidFill>
-              </a14:hiddenFill>
-            </a:ext>
-            <a:ext uri="{91240B29-F687-4F45-9708-019B960494DF}">
-              <a14:hiddenLine xmlns:a14="http://schemas.microsoft.com/office/drawing/2010/main" w="9525">
-                <a:solidFill>
-                  <a:schemeClr val="tx1"/>
-                </a:solidFill>
-                <a:miter lim="800000"/>
-                <a:headEnd/>
-                <a:tailEnd/>
-              </a14:hiddenLine>
-            </a:ext>
-          </a:extLst>
+          <a:extLst/>
         </p:spPr>
       </p:pic>
       <p:sp>
@@ -9268,25 +9250,7 @@
               <a:srgbClr val="969696"/>
             </a:contourClr>
           </a:sp3d>
-          <a:extLst>
-            <a:ext uri="{909E8E84-426E-40DD-AFC4-6F175D3DCCD1}">
-              <a14:hiddenFill xmlns:a14="http://schemas.microsoft.com/office/drawing/2010/main">
-                <a:solidFill>
-                  <a:schemeClr val="accent1"/>
-                </a:solidFill>
-              </a14:hiddenFill>
-            </a:ext>
-            <a:ext uri="{91240B29-F687-4F45-9708-019B960494DF}">
-              <a14:hiddenLine xmlns:a14="http://schemas.microsoft.com/office/drawing/2010/main" w="9525">
-                <a:solidFill>
-                  <a:schemeClr val="tx1"/>
-                </a:solidFill>
-                <a:miter lim="800000"/>
-                <a:headEnd/>
-                <a:tailEnd/>
-              </a14:hiddenLine>
-            </a:ext>
-          </a:extLst>
+          <a:extLst/>
         </p:spPr>
       </p:pic>
     </p:spTree>
@@ -9535,19 +9499,7 @@
             </a:r>
             <a:r>
               <a:rPr lang="sv-SE" sz="1400" dirty="0" smtClean="0"/>
-              <a:t> </a:t>
-            </a:r>
-            <a:r>
-              <a:rPr lang="sv-SE" sz="1400" dirty="0" smtClean="0"/>
-              <a:t>innehåller vyer </a:t>
-            </a:r>
-            <a:r>
-              <a:rPr lang="sv-SE" sz="1400" dirty="0" smtClean="0"/>
-              <a:t>samt </a:t>
-            </a:r>
-            <a:r>
-              <a:rPr lang="sv-SE" sz="1400" dirty="0" smtClean="0"/>
-              <a:t>partiella vyer som kan delas av flera vyer.</a:t>
+              <a:t> innehåller vyer samt partiella vyer som kan delas av flera vyer.</a:t>
             </a:r>
             <a:endParaRPr lang="sv-SE" sz="1400" dirty="0"/>
           </a:p>
@@ -9614,25 +9566,7 @@
               <a:srgbClr val="FFFFFF"/>
             </a:contourClr>
           </a:sp3d>
-          <a:extLst>
-            <a:ext uri="{909E8E84-426E-40DD-AFC4-6F175D3DCCD1}">
-              <a14:hiddenFill xmlns:a14="http://schemas.microsoft.com/office/drawing/2010/main">
-                <a:solidFill>
-                  <a:schemeClr val="accent1"/>
-                </a:solidFill>
-              </a14:hiddenFill>
-            </a:ext>
-            <a:ext uri="{91240B29-F687-4F45-9708-019B960494DF}">
-              <a14:hiddenLine xmlns:a14="http://schemas.microsoft.com/office/drawing/2010/main" w="9525">
-                <a:solidFill>
-                  <a:schemeClr val="tx1"/>
-                </a:solidFill>
-                <a:miter lim="800000"/>
-                <a:headEnd/>
-                <a:tailEnd/>
-              </a14:hiddenLine>
-            </a:ext>
-          </a:extLst>
+          <a:extLst/>
         </p:spPr>
       </p:pic>
     </p:spTree>
@@ -9738,30 +9672,12 @@
               <a:srgbClr val="FFFFFF"/>
             </a:contourClr>
           </a:sp3d>
-          <a:extLst>
-            <a:ext uri="{909E8E84-426E-40DD-AFC4-6F175D3DCCD1}">
-              <a14:hiddenFill xmlns:a14="http://schemas.microsoft.com/office/drawing/2010/main">
-                <a:solidFill>
-                  <a:schemeClr val="accent1"/>
-                </a:solidFill>
-              </a14:hiddenFill>
-            </a:ext>
-            <a:ext uri="{91240B29-F687-4F45-9708-019B960494DF}">
-              <a14:hiddenLine xmlns:a14="http://schemas.microsoft.com/office/drawing/2010/main" w="9525">
-                <a:solidFill>
-                  <a:schemeClr val="tx1"/>
-                </a:solidFill>
-                <a:miter lim="800000"/>
-                <a:headEnd/>
-                <a:tailEnd/>
-              </a14:hiddenLine>
-            </a:ext>
-          </a:extLst>
+          <a:extLst/>
         </p:spPr>
       </p:pic>
       <p:pic>
         <p:nvPicPr>
-          <p:cNvPr id="3080" name="Picture 8" descr="C:\Users\mats\AppData\Local\Temp\SNAGHTML4e4d4e49.PNG"/>
+          <p:cNvPr id="3080" name="Picture 8"/>
           <p:cNvPicPr>
             <a:picLocks noChangeAspect="1" noChangeArrowheads="1"/>
           </p:cNvPicPr>
@@ -9923,7 +9839,7 @@
       </p:sp>
       <p:pic>
         <p:nvPicPr>
-          <p:cNvPr id="3074" name="Picture 2" descr="C:\Users\mats\AppData\Local\Temp\SNAGHTML4e49d505.PNG"/>
+          <p:cNvPr id="3074" name="Picture 2"/>
           <p:cNvPicPr>
             <a:picLocks noChangeAspect="1" noChangeArrowheads="1"/>
           </p:cNvPicPr>
@@ -11205,30 +11121,12 @@
               <a:srgbClr val="FFFFFF"/>
             </a:contourClr>
           </a:sp3d>
-          <a:extLst>
-            <a:ext uri="{909E8E84-426E-40DD-AFC4-6F175D3DCCD1}">
-              <a14:hiddenFill xmlns:a14="http://schemas.microsoft.com/office/drawing/2010/main">
-                <a:solidFill>
-                  <a:schemeClr val="accent1"/>
-                </a:solidFill>
-              </a14:hiddenFill>
-            </a:ext>
-            <a:ext uri="{91240B29-F687-4F45-9708-019B960494DF}">
-              <a14:hiddenLine xmlns:a14="http://schemas.microsoft.com/office/drawing/2010/main" w="9525">
-                <a:solidFill>
-                  <a:schemeClr val="tx1"/>
-                </a:solidFill>
-                <a:miter lim="800000"/>
-                <a:headEnd/>
-                <a:tailEnd/>
-              </a14:hiddenLine>
-            </a:ext>
-          </a:extLst>
+          <a:extLst/>
         </p:spPr>
       </p:pic>
       <p:pic>
         <p:nvPicPr>
-          <p:cNvPr id="4104" name="Picture 8" descr="C:\Users\mats\AppData\Local\Temp\SNAGHTML4e5ba262.PNG"/>
+          <p:cNvPr id="4104" name="Picture 8"/>
           <p:cNvPicPr>
             <a:picLocks noChangeAspect="1" noChangeArrowheads="1"/>
           </p:cNvPicPr>
@@ -11282,7 +11180,7 @@
       </p:pic>
       <p:pic>
         <p:nvPicPr>
-          <p:cNvPr id="4098" name="Picture 2" descr="C:\Users\mats\AppData\Local\Temp\SNAGHTML4e52d534.PNG"/>
+          <p:cNvPr id="4098" name="Picture 2"/>
           <p:cNvPicPr>
             <a:picLocks noChangeAspect="1" noChangeArrowheads="1"/>
           </p:cNvPicPr>
@@ -11398,7 +11296,7 @@
       </p:sp>
       <p:pic>
         <p:nvPicPr>
-          <p:cNvPr id="4100" name="Picture 4" descr="C:\Users\mats\AppData\Local\Temp\SNAGHTML4e580bed.PNG"/>
+          <p:cNvPr id="4100" name="Picture 4"/>
           <p:cNvPicPr>
             <a:picLocks noChangeAspect="1" noChangeArrowheads="1"/>
           </p:cNvPicPr>
@@ -11540,30 +11438,12 @@
               <a:srgbClr val="FFFFFF"/>
             </a:contourClr>
           </a:sp3d>
-          <a:extLst>
-            <a:ext uri="{909E8E84-426E-40DD-AFC4-6F175D3DCCD1}">
-              <a14:hiddenFill xmlns:a14="http://schemas.microsoft.com/office/drawing/2010/main">
-                <a:solidFill>
-                  <a:schemeClr val="accent1"/>
-                </a:solidFill>
-              </a14:hiddenFill>
-            </a:ext>
-            <a:ext uri="{91240B29-F687-4F45-9708-019B960494DF}">
-              <a14:hiddenLine xmlns:a14="http://schemas.microsoft.com/office/drawing/2010/main" w="9525">
-                <a:solidFill>
-                  <a:schemeClr val="tx1"/>
-                </a:solidFill>
-                <a:miter lim="800000"/>
-                <a:headEnd/>
-                <a:tailEnd/>
-              </a14:hiddenLine>
-            </a:ext>
-          </a:extLst>
+          <a:extLst/>
         </p:spPr>
       </p:pic>
       <p:pic>
         <p:nvPicPr>
-          <p:cNvPr id="5128" name="Picture 8" descr="C:\Users\mats\AppData\Local\Temp\SNAGHTML4e67532a.PNG"/>
+          <p:cNvPr id="5128" name="Picture 8"/>
           <p:cNvPicPr>
             <a:picLocks noChangeAspect="1" noChangeArrowheads="1"/>
           </p:cNvPicPr>
@@ -11617,7 +11497,7 @@
       </p:pic>
       <p:pic>
         <p:nvPicPr>
-          <p:cNvPr id="5124" name="Picture 4" descr="C:\Users\mats\AppData\Local\Temp\SNAGHTML4e6645c2.PNG"/>
+          <p:cNvPr id="5124" name="Picture 4"/>
           <p:cNvPicPr>
             <a:picLocks noChangeAspect="1" noChangeArrowheads="1"/>
           </p:cNvPicPr>
@@ -11729,7 +11609,7 @@
       </p:sp>
       <p:pic>
         <p:nvPicPr>
-          <p:cNvPr id="13" name="Picture 8" descr="C:\Users\mats\AppData\Local\Temp\SNAGHTML26614958.PNG"/>
+          <p:cNvPr id="13" name="Picture 8"/>
           <p:cNvPicPr>
             <a:picLocks noChangeAspect="1" noChangeArrowheads="1"/>
           </p:cNvPicPr>
@@ -11755,7 +11635,7 @@
       </p:pic>
       <p:pic>
         <p:nvPicPr>
-          <p:cNvPr id="5126" name="Picture 6" descr="C:\Users\mats\AppData\Local\Temp\SNAGHTML4e66fca2.PNG"/>
+          <p:cNvPr id="5126" name="Picture 6"/>
           <p:cNvPicPr>
             <a:picLocks noChangeAspect="1" noChangeArrowheads="1"/>
           </p:cNvPicPr>
@@ -11897,30 +11777,12 @@
               <a:srgbClr val="FFFFFF"/>
             </a:contourClr>
           </a:sp3d>
-          <a:extLst>
-            <a:ext uri="{909E8E84-426E-40DD-AFC4-6F175D3DCCD1}">
-              <a14:hiddenFill xmlns:a14="http://schemas.microsoft.com/office/drawing/2010/main">
-                <a:solidFill>
-                  <a:schemeClr val="accent1"/>
-                </a:solidFill>
-              </a14:hiddenFill>
-            </a:ext>
-            <a:ext uri="{91240B29-F687-4F45-9708-019B960494DF}">
-              <a14:hiddenLine xmlns:a14="http://schemas.microsoft.com/office/drawing/2010/main" w="9525">
-                <a:solidFill>
-                  <a:schemeClr val="tx1"/>
-                </a:solidFill>
-                <a:miter lim="800000"/>
-                <a:headEnd/>
-                <a:tailEnd/>
-              </a14:hiddenLine>
-            </a:ext>
-          </a:extLst>
+          <a:extLst/>
         </p:spPr>
       </p:pic>
       <p:pic>
         <p:nvPicPr>
-          <p:cNvPr id="6148" name="Picture 4" descr="C:\Users\mats\AppData\Local\Temp\SNAGHTML4e74aa5e.PNG"/>
+          <p:cNvPr id="6148" name="Picture 4"/>
           <p:cNvPicPr>
             <a:picLocks noChangeAspect="1" noChangeArrowheads="1"/>
           </p:cNvPicPr>
@@ -12046,11 +11908,7 @@
             </a:pPr>
             <a:r>
               <a:rPr lang="sv-SE" sz="1800" dirty="0" smtClean="0"/>
-              <a:t>…varför Visual Studio inte kan ”hjälpa till” med </a:t>
-            </a:r>
-            <a:r>
-              <a:rPr lang="sv-SE" sz="1800" dirty="0" smtClean="0"/>
-              <a:t>IntelliSense </a:t>
+              <a:t>…varför Visual Studio inte kan ”hjälpa till” med IntelliSense </a:t>
             </a:r>
             <a:r>
               <a:rPr lang="sv-SE" sz="1400" dirty="0" smtClean="0">
@@ -12072,7 +11930,7 @@
       </p:sp>
       <p:pic>
         <p:nvPicPr>
-          <p:cNvPr id="6146" name="Picture 2" descr="C:\Users\mats\AppData\Local\Temp\SNAGHTML4e7477f9.PNG"/>
+          <p:cNvPr id="6146" name="Picture 2"/>
           <p:cNvPicPr>
             <a:picLocks noChangeAspect="1" noChangeArrowheads="1"/>
           </p:cNvPicPr>
@@ -12113,7 +11971,7 @@
       </p:pic>
       <p:pic>
         <p:nvPicPr>
-          <p:cNvPr id="6150" name="Picture 6" descr="C:\Users\mats\AppData\Local\Temp\SNAGHTML4e7c4a16.PNG"/>
+          <p:cNvPr id="6150" name="Picture 6"/>
           <p:cNvPicPr>
             <a:picLocks noChangeAspect="1" noChangeArrowheads="1"/>
           </p:cNvPicPr>
@@ -12669,7 +12527,7 @@
       </p:sp>
       <p:pic>
         <p:nvPicPr>
-          <p:cNvPr id="7170" name="Picture 2" descr="C:\Users\mats\AppData\Local\Temp\SNAGHTML4e898274.PNG"/>
+          <p:cNvPr id="7170" name="Picture 2"/>
           <p:cNvPicPr>
             <a:picLocks noChangeAspect="1" noChangeArrowheads="1"/>
           </p:cNvPicPr>
@@ -12710,7 +12568,7 @@
       </p:pic>
       <p:pic>
         <p:nvPicPr>
-          <p:cNvPr id="7172" name="Picture 4" descr="C:\Users\mats\AppData\Local\Temp\SNAGHTML4e8b80a0.PNG"/>
+          <p:cNvPr id="7172" name="Picture 4"/>
           <p:cNvPicPr>
             <a:picLocks noChangeAspect="1" noChangeArrowheads="1"/>
           </p:cNvPicPr>
@@ -15143,7 +15001,7 @@
       </p:sp>
       <p:pic>
         <p:nvPicPr>
-          <p:cNvPr id="30" name="Picture 2" descr="C:\Users\Levi\AppData\Local\Microsoft\Windows\Temporary Internet Files\Content.IE5\HDERI5K3\MCj04316260000[1].png"/>
+          <p:cNvPr id="30" name="Picture 2"/>
           <p:cNvPicPr>
             <a:picLocks noChangeAspect="1" noChangeArrowheads="1"/>
           </p:cNvPicPr>
@@ -15859,7 +15717,7 @@
       </p:sp>
       <p:pic>
         <p:nvPicPr>
-          <p:cNvPr id="30" name="Picture 2" descr="C:\Users\Levi\AppData\Local\Microsoft\Windows\Temporary Internet Files\Content.IE5\HDERI5K3\MCj04316260000[1].png"/>
+          <p:cNvPr id="30" name="Picture 2"/>
           <p:cNvPicPr>
             <a:picLocks noChangeAspect="1" noChangeArrowheads="1"/>
           </p:cNvPicPr>
@@ -15920,7 +15778,7 @@
       </p:grpSpPr>
       <p:pic>
         <p:nvPicPr>
-          <p:cNvPr id="16386" name="Picture 2" descr="ASP.NET MVC"/>
+          <p:cNvPr id="16386" name="Picture 2"/>
           <p:cNvPicPr>
             <a:picLocks noChangeAspect="1" noChangeArrowheads="1"/>
           </p:cNvPicPr>
